--- a/public/media_assets/2019_5A_Deck_Template_4_3.pptx
+++ b/public/media_assets/2019_5A_Deck_Template_4_3.pptx
@@ -3242,8 +3242,8 @@
         </p:blipFill>
         <p:spPr>
           <a:xfrm>
-            <a:off x="759039" y="2373493"/>
-            <a:ext cx="4037841" cy="2996627"/>
+            <a:off x="759040" y="2373493"/>
+            <a:ext cx="4037840" cy="2996627"/>
           </a:xfrm>
           <a:prstGeom prst="rect">
             <a:avLst/>
@@ -5398,8 +5398,8 @@
         </p:blipFill>
         <p:spPr>
           <a:xfrm>
-            <a:off x="684791" y="2553844"/>
-            <a:ext cx="10325101" cy="2467635"/>
+            <a:off x="684791" y="7095410"/>
+            <a:ext cx="10326621" cy="1718506"/>
           </a:xfrm>
           <a:prstGeom prst="rect">
             <a:avLst/>
@@ -5427,8 +5427,8 @@
         </p:blipFill>
         <p:spPr>
           <a:xfrm>
-            <a:off x="684791" y="7095410"/>
-            <a:ext cx="10326621" cy="1718506"/>
+            <a:off x="685550" y="2553844"/>
+            <a:ext cx="10325101" cy="2467635"/>
           </a:xfrm>
           <a:prstGeom prst="rect">
             <a:avLst/>
@@ -6176,7 +6176,7 @@
               </a:defRPr>
             </a:pPr>
             <a:r>
-              <a:t>Nanno</a:t>
+              <a:t>ImageSeller</a:t>
             </a:r>
           </a:p>
           <a:p>
@@ -6192,7 +6192,7 @@
               </a:defRPr>
             </a:pPr>
             <a:r>
-              <a:t>Nix Media</a:t>
+              <a:t>Nanno</a:t>
             </a:r>
           </a:p>
         </p:txBody>
@@ -6206,7 +6206,7 @@
         <p:spPr>
           <a:xfrm>
             <a:off x="3810568" y="5772444"/>
-            <a:ext cx="2885737" cy="2111587"/>
+            <a:ext cx="2885737" cy="2340187"/>
           </a:xfrm>
           <a:prstGeom prst="rect">
             <a:avLst/>
@@ -6225,6 +6225,22 @@
             <a:spAutoFit/>
           </a:bodyPr>
           <a:lstStyle/>
+          <a:p>
+            <a:pPr algn="l">
+              <a:defRPr spc="-28" sz="1400">
+                <a:solidFill>
+                  <a:srgbClr val="797979"/>
+                </a:solidFill>
+                <a:latin typeface="Montserrat Light"/>
+                <a:ea typeface="Montserrat Light"/>
+                <a:cs typeface="Montserrat Light"/>
+                <a:sym typeface="Montserrat Light"/>
+              </a:defRPr>
+            </a:pPr>
+            <a:r>
+              <a:t>Nix Media</a:t>
+            </a:r>
+          </a:p>
           <a:p>
             <a:pPr algn="l">
               <a:defRPr spc="-28" sz="1400">
